--- a/PPT/Presentation1.pptx
+++ b/PPT/Presentation1.pptx
@@ -1325,6 +1325,13 @@
         </dgm:presLayoutVars>
       </dgm:prSet>
       <dgm:spPr/>
+      <dgm:t>
+        <a:bodyPr/>
+        <a:lstStyle/>
+        <a:p>
+          <a:endParaRPr lang="en-US"/>
+        </a:p>
+      </dgm:t>
     </dgm:pt>
     <dgm:pt modelId="{A35FF611-59CE-4C3C-9B12-FFE049011EF8}" type="pres">
       <dgm:prSet presAssocID="{18413894-C83A-4E38-98BF-DC843604392A}" presName="compositeNode" presStyleCnt="0">
@@ -1333,13 +1340,17 @@
         </dgm:presLayoutVars>
       </dgm:prSet>
       <dgm:spPr/>
+      <dgm:t>
+        <a:bodyPr/>
+        <a:lstStyle/>
+        <a:p>
+          <a:endParaRPr lang="en-US"/>
+        </a:p>
+      </dgm:t>
     </dgm:pt>
     <dgm:pt modelId="{5011332B-D64C-4699-8FD1-8EE7DCF956FA}" type="pres">
-      <dgm:prSet presAssocID="{18413894-C83A-4E38-98BF-DC843604392A}" presName="image" presStyleLbl="fgImgPlace1" presStyleIdx="0" presStyleCnt="3" custLinFactNeighborX="-5770" custLinFactNeighborY="-626"/>
+      <dgm:prSet presAssocID="{18413894-C83A-4E38-98BF-DC843604392A}" presName="image" presStyleLbl="fgImgPlace1" presStyleIdx="0" presStyleCnt="3"/>
       <dgm:spPr>
-        <a:prstGeom prst="round1Rect">
-          <a:avLst/>
-        </a:prstGeom>
         <a:blipFill>
           <a:blip xmlns:r="http://schemas.openxmlformats.org/officeDocument/2006/relationships" r:embed="rId1">
             <a:extLst>
@@ -1363,7 +1374,7 @@
       </dgm:t>
     </dgm:pt>
     <dgm:pt modelId="{55186FE2-4EF2-4542-BB96-C9D917037023}" type="pres">
-      <dgm:prSet presAssocID="{18413894-C83A-4E38-98BF-DC843604392A}" presName="childNode" presStyleLbl="node1" presStyleIdx="0" presStyleCnt="3" custLinFactNeighborX="8" custLinFactNeighborY="-319">
+      <dgm:prSet presAssocID="{18413894-C83A-4E38-98BF-DC843604392A}" presName="childNode" presStyleLbl="node1" presStyleIdx="0" presStyleCnt="3">
         <dgm:presLayoutVars>
           <dgm:bulletEnabled val="1"/>
         </dgm:presLayoutVars>
@@ -1396,6 +1407,13 @@
     <dgm:pt modelId="{1176B0C2-D46F-44C5-A358-A4033F5499F1}" type="pres">
       <dgm:prSet presAssocID="{15D069AE-76D6-45C0-86F6-BD80ACDE0368}" presName="sibTrans" presStyleCnt="0"/>
       <dgm:spPr/>
+      <dgm:t>
+        <a:bodyPr/>
+        <a:lstStyle/>
+        <a:p>
+          <a:endParaRPr lang="en-US"/>
+        </a:p>
+      </dgm:t>
     </dgm:pt>
     <dgm:pt modelId="{4ABFAD5E-C29B-49B1-AFA3-795895691F01}" type="pres">
       <dgm:prSet presAssocID="{783C5B21-C093-40CA-9461-16238C905CD1}" presName="compositeNode" presStyleCnt="0">
@@ -1404,6 +1422,13 @@
         </dgm:presLayoutVars>
       </dgm:prSet>
       <dgm:spPr/>
+      <dgm:t>
+        <a:bodyPr/>
+        <a:lstStyle/>
+        <a:p>
+          <a:endParaRPr lang="en-US"/>
+        </a:p>
+      </dgm:t>
     </dgm:pt>
     <dgm:pt modelId="{53201F99-6307-4323-82B7-215B5A91EA24}" type="pres">
       <dgm:prSet presAssocID="{783C5B21-C093-40CA-9461-16238C905CD1}" presName="image" presStyleLbl="fgImgPlace1" presStyleIdx="1" presStyleCnt="3"/>
@@ -1418,10 +1443,17 @@
           </a:blip>
           <a:srcRect/>
           <a:stretch>
-            <a:fillRect l="-12000" r="-12000"/>
+            <a:fillRect l="-1000" r="-1000"/>
           </a:stretch>
         </a:blipFill>
       </dgm:spPr>
+      <dgm:t>
+        <a:bodyPr/>
+        <a:lstStyle/>
+        <a:p>
+          <a:endParaRPr lang="en-US"/>
+        </a:p>
+      </dgm:t>
     </dgm:pt>
     <dgm:pt modelId="{B213E5EE-A962-4626-A7E7-C74DF81A541B}" type="pres">
       <dgm:prSet presAssocID="{783C5B21-C093-40CA-9461-16238C905CD1}" presName="childNode" presStyleLbl="node1" presStyleIdx="1" presStyleCnt="3">
@@ -1457,6 +1489,13 @@
     <dgm:pt modelId="{55DE86ED-0BB5-4CFA-87AF-1BFAA4931EC1}" type="pres">
       <dgm:prSet presAssocID="{2319FE69-0E38-4A9D-8C3D-7D1BA3E80C64}" presName="sibTrans" presStyleCnt="0"/>
       <dgm:spPr/>
+      <dgm:t>
+        <a:bodyPr/>
+        <a:lstStyle/>
+        <a:p>
+          <a:endParaRPr lang="en-US"/>
+        </a:p>
+      </dgm:t>
     </dgm:pt>
     <dgm:pt modelId="{DC5BE478-828A-4133-8C36-66FE8EE04E0F}" type="pres">
       <dgm:prSet presAssocID="{34A6F1EE-9FB7-47ED-A277-0C69A96EE8DA}" presName="compositeNode" presStyleCnt="0">
@@ -1465,6 +1504,13 @@
         </dgm:presLayoutVars>
       </dgm:prSet>
       <dgm:spPr/>
+      <dgm:t>
+        <a:bodyPr/>
+        <a:lstStyle/>
+        <a:p>
+          <a:endParaRPr lang="en-US"/>
+        </a:p>
+      </dgm:t>
     </dgm:pt>
     <dgm:pt modelId="{DC24AC2F-2DF7-4FF6-9480-B0BDED27C947}" type="pres">
       <dgm:prSet presAssocID="{34A6F1EE-9FB7-47ED-A277-0C69A96EE8DA}" presName="image" presStyleLbl="fgImgPlace1" presStyleIdx="2" presStyleCnt="3"/>
@@ -1483,6 +1529,13 @@
           </a:stretch>
         </a:blipFill>
       </dgm:spPr>
+      <dgm:t>
+        <a:bodyPr/>
+        <a:lstStyle/>
+        <a:p>
+          <a:endParaRPr lang="en-US"/>
+        </a:p>
+      </dgm:t>
     </dgm:pt>
     <dgm:pt modelId="{05774437-C0A0-4BD2-AAD7-8E14EE7C2E1A}" type="pres">
       <dgm:prSet presAssocID="{34A6F1EE-9FB7-47ED-A277-0C69A96EE8DA}" presName="childNode" presStyleLbl="node1" presStyleIdx="2" presStyleCnt="3">
@@ -1517,31 +1570,31 @@
     </dgm:pt>
   </dgm:ptLst>
   <dgm:cxnLst>
+    <dgm:cxn modelId="{1F393BBA-015A-4D1E-BFFD-3E5A9B2D0056}" type="presOf" srcId="{B0B3A9F9-0FE3-4F2B-A20D-935A8654C214}" destId="{05774437-C0A0-4BD2-AAD7-8E14EE7C2E1A}" srcOrd="0" destOrd="2" presId="urn:microsoft.com/office/officeart/2005/8/layout/hList2"/>
+    <dgm:cxn modelId="{C7E2AEBA-DF64-4EB0-B2F9-31A57EFF61B2}" srcId="{8629C914-D342-4274-9A4C-82632AB85248}" destId="{34A6F1EE-9FB7-47ED-A277-0C69A96EE8DA}" srcOrd="2" destOrd="0" parTransId="{C860672A-6C0E-43EB-BADD-3C410CACB6CB}" sibTransId="{69F7827E-4D08-47A1-88E1-1584A3849981}"/>
+    <dgm:cxn modelId="{4AFED166-C3CE-4AED-85B3-445F32562FD1}" type="presOf" srcId="{BBFBD158-3E74-4381-B980-A4E37C9FF404}" destId="{B213E5EE-A962-4626-A7E7-C74DF81A541B}" srcOrd="0" destOrd="1" presId="urn:microsoft.com/office/officeart/2005/8/layout/hList2"/>
+    <dgm:cxn modelId="{C1D0D1E5-D8A4-49BC-81AA-064DC5081DDF}" srcId="{783C5B21-C093-40CA-9461-16238C905CD1}" destId="{BBFBD158-3E74-4381-B980-A4E37C9FF404}" srcOrd="1" destOrd="0" parTransId="{0ED1194E-5842-4536-8F08-06773A43AB3C}" sibTransId="{64E27374-860C-4107-9DAF-A055893A377E}"/>
     <dgm:cxn modelId="{8DA3D058-F6FB-4BDF-AE56-B293E0AFC5CC}" srcId="{34A6F1EE-9FB7-47ED-A277-0C69A96EE8DA}" destId="{B0B3A9F9-0FE3-4F2B-A20D-935A8654C214}" srcOrd="2" destOrd="0" parTransId="{C7BEC9B7-DD4F-488F-9C8D-17C4F9C6AC4A}" sibTransId="{46020A69-7653-4B89-879D-C027DE90FB0C}"/>
+    <dgm:cxn modelId="{B02FF553-838B-4937-938E-E96C1E56142A}" srcId="{783C5B21-C093-40CA-9461-16238C905CD1}" destId="{545ABA14-CB23-488A-B4A2-08546EA1DA7B}" srcOrd="0" destOrd="0" parTransId="{9C60128D-9F9B-44D0-9951-514331363123}" sibTransId="{80D92026-86EE-4F84-84EC-F378F8E807A3}"/>
+    <dgm:cxn modelId="{0206A75C-304E-4479-A06C-E7BD0B31E505}" srcId="{8629C914-D342-4274-9A4C-82632AB85248}" destId="{18413894-C83A-4E38-98BF-DC843604392A}" srcOrd="0" destOrd="0" parTransId="{ADBBD1DD-E082-4987-B646-80B50CE48C43}" sibTransId="{15D069AE-76D6-45C0-86F6-BD80ACDE0368}"/>
+    <dgm:cxn modelId="{3E923904-48FB-456B-BEBD-5077B61EC8CE}" type="presOf" srcId="{34A6F1EE-9FB7-47ED-A277-0C69A96EE8DA}" destId="{5739F976-83A7-4E2C-892C-C10D00E04514}" srcOrd="0" destOrd="0" presId="urn:microsoft.com/office/officeart/2005/8/layout/hList2"/>
+    <dgm:cxn modelId="{EF6FBCBA-9A24-49DF-ADCF-B3DB8F000EC6}" srcId="{8629C914-D342-4274-9A4C-82632AB85248}" destId="{783C5B21-C093-40CA-9461-16238C905CD1}" srcOrd="1" destOrd="0" parTransId="{BC40B9F9-BE5E-445E-9AA1-B3205E1839A7}" sibTransId="{2319FE69-0E38-4A9D-8C3D-7D1BA3E80C64}"/>
+    <dgm:cxn modelId="{083D3F0A-C9A2-46A8-8C04-0EBE8FFC352E}" srcId="{783C5B21-C093-40CA-9461-16238C905CD1}" destId="{051E9311-9C50-42B4-8A26-3C02DC72E07B}" srcOrd="2" destOrd="0" parTransId="{D03C172F-75CA-443C-89FE-9C7929E22C94}" sibTransId="{0932C246-C235-483E-A4D1-7B1A8A3FA1F4}"/>
+    <dgm:cxn modelId="{74D996BC-20A8-4782-B8C8-A153E2C4E0CF}" type="presOf" srcId="{AE58C9B1-BEF7-486D-9901-49BDBC6A5B95}" destId="{05774437-C0A0-4BD2-AAD7-8E14EE7C2E1A}" srcOrd="0" destOrd="0" presId="urn:microsoft.com/office/officeart/2005/8/layout/hList2"/>
+    <dgm:cxn modelId="{F5B13840-A0D0-4778-B49E-D53ED17A1B86}" type="presOf" srcId="{C3981F06-0D20-42D2-8AE6-806A7226F53E}" destId="{55186FE2-4EF2-4542-BB96-C9D917037023}" srcOrd="0" destOrd="0" presId="urn:microsoft.com/office/officeart/2005/8/layout/hList2"/>
+    <dgm:cxn modelId="{1991EE7D-9091-4A66-9068-9CC16B8AA488}" srcId="{18413894-C83A-4E38-98BF-DC843604392A}" destId="{C3981F06-0D20-42D2-8AE6-806A7226F53E}" srcOrd="0" destOrd="0" parTransId="{86AC4AC6-2582-4992-AA0A-240738946D5F}" sibTransId="{589F51DA-471D-456A-8E31-8A4D45F9C2DB}"/>
+    <dgm:cxn modelId="{0E33DD91-C215-481A-B58A-F7308836298F}" type="presOf" srcId="{8629C914-D342-4274-9A4C-82632AB85248}" destId="{90DB2E85-D282-493D-9512-61D4057F3410}" srcOrd="0" destOrd="0" presId="urn:microsoft.com/office/officeart/2005/8/layout/hList2"/>
     <dgm:cxn modelId="{575BF3AA-F25A-4F88-9B9A-646855E89431}" srcId="{18413894-C83A-4E38-98BF-DC843604392A}" destId="{D4F9B22C-4A25-432B-926E-305CB7555345}" srcOrd="1" destOrd="0" parTransId="{8B15EDFC-A98C-41E3-B3F0-1B9059488F4E}" sibTransId="{3684D1A0-2CFC-43BC-A66C-AF59D81CEEA2}"/>
+    <dgm:cxn modelId="{C3096A2B-8EC7-44E7-B46D-77B1204F3DDD}" type="presOf" srcId="{473ACE76-942A-4E51-B910-CE715A6DB766}" destId="{55186FE2-4EF2-4542-BB96-C9D917037023}" srcOrd="0" destOrd="2" presId="urn:microsoft.com/office/officeart/2005/8/layout/hList2"/>
+    <dgm:cxn modelId="{1AEB45BC-498F-4A88-897A-ADF61657EF99}" type="presOf" srcId="{18413894-C83A-4E38-98BF-DC843604392A}" destId="{1D1DEE1A-9716-45F6-8730-64A71C24DF2E}" srcOrd="0" destOrd="0" presId="urn:microsoft.com/office/officeart/2005/8/layout/hList2"/>
+    <dgm:cxn modelId="{24FE35A8-37D9-4305-8E69-311B845EACE0}" srcId="{18413894-C83A-4E38-98BF-DC843604392A}" destId="{473ACE76-942A-4E51-B910-CE715A6DB766}" srcOrd="2" destOrd="0" parTransId="{3443D00F-78D5-46E2-9D43-1745BF7BC16F}" sibTransId="{46A2DF56-F8ED-4C92-A36F-D0C1377F7762}"/>
+    <dgm:cxn modelId="{6AF52677-9604-4B91-A81F-F8D8EEEB61CD}" srcId="{34A6F1EE-9FB7-47ED-A277-0C69A96EE8DA}" destId="{0A26073C-EB34-49AC-855A-F4F3A72A0194}" srcOrd="1" destOrd="0" parTransId="{445EE075-C0B1-4C65-A00C-9117D5A01635}" sibTransId="{4BD577DC-9A12-492E-88DE-4CFBA16374C2}"/>
+    <dgm:cxn modelId="{FC844D2C-BA5A-482A-B908-D49CF85C9AEF}" type="presOf" srcId="{783C5B21-C093-40CA-9461-16238C905CD1}" destId="{00D6216C-87E2-4281-95B7-A984AE11C974}" srcOrd="0" destOrd="0" presId="urn:microsoft.com/office/officeart/2005/8/layout/hList2"/>
+    <dgm:cxn modelId="{8B51F5A8-9C3D-4BB8-B552-89658CAB7F85}" type="presOf" srcId="{0A26073C-EB34-49AC-855A-F4F3A72A0194}" destId="{05774437-C0A0-4BD2-AAD7-8E14EE7C2E1A}" srcOrd="0" destOrd="1" presId="urn:microsoft.com/office/officeart/2005/8/layout/hList2"/>
+    <dgm:cxn modelId="{989DE6BB-8229-45C9-929E-47EEAA035A01}" type="presOf" srcId="{051E9311-9C50-42B4-8A26-3C02DC72E07B}" destId="{B213E5EE-A962-4626-A7E7-C74DF81A541B}" srcOrd="0" destOrd="2" presId="urn:microsoft.com/office/officeart/2005/8/layout/hList2"/>
+    <dgm:cxn modelId="{B9210056-A422-4A3C-97F0-372335F4E336}" srcId="{34A6F1EE-9FB7-47ED-A277-0C69A96EE8DA}" destId="{AE58C9B1-BEF7-486D-9901-49BDBC6A5B95}" srcOrd="0" destOrd="0" parTransId="{A5AE34F6-F003-4E6F-B0BC-0422B5D9AB1D}" sibTransId="{B25C991A-A497-46A0-9191-BBED0B6E7F02}"/>
     <dgm:cxn modelId="{0E173ECA-0314-432F-BEDD-9A576EE29E72}" type="presOf" srcId="{D4F9B22C-4A25-432B-926E-305CB7555345}" destId="{55186FE2-4EF2-4542-BB96-C9D917037023}" srcOrd="0" destOrd="1" presId="urn:microsoft.com/office/officeart/2005/8/layout/hList2"/>
-    <dgm:cxn modelId="{B9210056-A422-4A3C-97F0-372335F4E336}" srcId="{34A6F1EE-9FB7-47ED-A277-0C69A96EE8DA}" destId="{AE58C9B1-BEF7-486D-9901-49BDBC6A5B95}" srcOrd="0" destOrd="0" parTransId="{A5AE34F6-F003-4E6F-B0BC-0422B5D9AB1D}" sibTransId="{B25C991A-A497-46A0-9191-BBED0B6E7F02}"/>
-    <dgm:cxn modelId="{4AFED166-C3CE-4AED-85B3-445F32562FD1}" type="presOf" srcId="{BBFBD158-3E74-4381-B980-A4E37C9FF404}" destId="{B213E5EE-A962-4626-A7E7-C74DF81A541B}" srcOrd="0" destOrd="1" presId="urn:microsoft.com/office/officeart/2005/8/layout/hList2"/>
-    <dgm:cxn modelId="{24FE35A8-37D9-4305-8E69-311B845EACE0}" srcId="{18413894-C83A-4E38-98BF-DC843604392A}" destId="{473ACE76-942A-4E51-B910-CE715A6DB766}" srcOrd="2" destOrd="0" parTransId="{3443D00F-78D5-46E2-9D43-1745BF7BC16F}" sibTransId="{46A2DF56-F8ED-4C92-A36F-D0C1377F7762}"/>
-    <dgm:cxn modelId="{989DE6BB-8229-45C9-929E-47EEAA035A01}" type="presOf" srcId="{051E9311-9C50-42B4-8A26-3C02DC72E07B}" destId="{B213E5EE-A962-4626-A7E7-C74DF81A541B}" srcOrd="0" destOrd="2" presId="urn:microsoft.com/office/officeart/2005/8/layout/hList2"/>
-    <dgm:cxn modelId="{1AEB45BC-498F-4A88-897A-ADF61657EF99}" type="presOf" srcId="{18413894-C83A-4E38-98BF-DC843604392A}" destId="{1D1DEE1A-9716-45F6-8730-64A71C24DF2E}" srcOrd="0" destOrd="0" presId="urn:microsoft.com/office/officeart/2005/8/layout/hList2"/>
-    <dgm:cxn modelId="{0206A75C-304E-4479-A06C-E7BD0B31E505}" srcId="{8629C914-D342-4274-9A4C-82632AB85248}" destId="{18413894-C83A-4E38-98BF-DC843604392A}" srcOrd="0" destOrd="0" parTransId="{ADBBD1DD-E082-4987-B646-80B50CE48C43}" sibTransId="{15D069AE-76D6-45C0-86F6-BD80ACDE0368}"/>
-    <dgm:cxn modelId="{6AF52677-9604-4B91-A81F-F8D8EEEB61CD}" srcId="{34A6F1EE-9FB7-47ED-A277-0C69A96EE8DA}" destId="{0A26073C-EB34-49AC-855A-F4F3A72A0194}" srcOrd="1" destOrd="0" parTransId="{445EE075-C0B1-4C65-A00C-9117D5A01635}" sibTransId="{4BD577DC-9A12-492E-88DE-4CFBA16374C2}"/>
-    <dgm:cxn modelId="{C1D0D1E5-D8A4-49BC-81AA-064DC5081DDF}" srcId="{783C5B21-C093-40CA-9461-16238C905CD1}" destId="{BBFBD158-3E74-4381-B980-A4E37C9FF404}" srcOrd="1" destOrd="0" parTransId="{0ED1194E-5842-4536-8F08-06773A43AB3C}" sibTransId="{64E27374-860C-4107-9DAF-A055893A377E}"/>
-    <dgm:cxn modelId="{EF6FBCBA-9A24-49DF-ADCF-B3DB8F000EC6}" srcId="{8629C914-D342-4274-9A4C-82632AB85248}" destId="{783C5B21-C093-40CA-9461-16238C905CD1}" srcOrd="1" destOrd="0" parTransId="{BC40B9F9-BE5E-445E-9AA1-B3205E1839A7}" sibTransId="{2319FE69-0E38-4A9D-8C3D-7D1BA3E80C64}"/>
-    <dgm:cxn modelId="{74D996BC-20A8-4782-B8C8-A153E2C4E0CF}" type="presOf" srcId="{AE58C9B1-BEF7-486D-9901-49BDBC6A5B95}" destId="{05774437-C0A0-4BD2-AAD7-8E14EE7C2E1A}" srcOrd="0" destOrd="0" presId="urn:microsoft.com/office/officeart/2005/8/layout/hList2"/>
-    <dgm:cxn modelId="{1F393BBA-015A-4D1E-BFFD-3E5A9B2D0056}" type="presOf" srcId="{B0B3A9F9-0FE3-4F2B-A20D-935A8654C214}" destId="{05774437-C0A0-4BD2-AAD7-8E14EE7C2E1A}" srcOrd="0" destOrd="2" presId="urn:microsoft.com/office/officeart/2005/8/layout/hList2"/>
-    <dgm:cxn modelId="{8B51F5A8-9C3D-4BB8-B552-89658CAB7F85}" type="presOf" srcId="{0A26073C-EB34-49AC-855A-F4F3A72A0194}" destId="{05774437-C0A0-4BD2-AAD7-8E14EE7C2E1A}" srcOrd="0" destOrd="1" presId="urn:microsoft.com/office/officeart/2005/8/layout/hList2"/>
-    <dgm:cxn modelId="{B02FF553-838B-4937-938E-E96C1E56142A}" srcId="{783C5B21-C093-40CA-9461-16238C905CD1}" destId="{545ABA14-CB23-488A-B4A2-08546EA1DA7B}" srcOrd="0" destOrd="0" parTransId="{9C60128D-9F9B-44D0-9951-514331363123}" sibTransId="{80D92026-86EE-4F84-84EC-F378F8E807A3}"/>
-    <dgm:cxn modelId="{0E33DD91-C215-481A-B58A-F7308836298F}" type="presOf" srcId="{8629C914-D342-4274-9A4C-82632AB85248}" destId="{90DB2E85-D282-493D-9512-61D4057F3410}" srcOrd="0" destOrd="0" presId="urn:microsoft.com/office/officeart/2005/8/layout/hList2"/>
-    <dgm:cxn modelId="{FC844D2C-BA5A-482A-B908-D49CF85C9AEF}" type="presOf" srcId="{783C5B21-C093-40CA-9461-16238C905CD1}" destId="{00D6216C-87E2-4281-95B7-A984AE11C974}" srcOrd="0" destOrd="0" presId="urn:microsoft.com/office/officeart/2005/8/layout/hList2"/>
-    <dgm:cxn modelId="{083D3F0A-C9A2-46A8-8C04-0EBE8FFC352E}" srcId="{783C5B21-C093-40CA-9461-16238C905CD1}" destId="{051E9311-9C50-42B4-8A26-3C02DC72E07B}" srcOrd="2" destOrd="0" parTransId="{D03C172F-75CA-443C-89FE-9C7929E22C94}" sibTransId="{0932C246-C235-483E-A4D1-7B1A8A3FA1F4}"/>
-    <dgm:cxn modelId="{C3096A2B-8EC7-44E7-B46D-77B1204F3DDD}" type="presOf" srcId="{473ACE76-942A-4E51-B910-CE715A6DB766}" destId="{55186FE2-4EF2-4542-BB96-C9D917037023}" srcOrd="0" destOrd="2" presId="urn:microsoft.com/office/officeart/2005/8/layout/hList2"/>
     <dgm:cxn modelId="{4B737164-8947-4E4B-AAA0-D219E562FC8E}" type="presOf" srcId="{545ABA14-CB23-488A-B4A2-08546EA1DA7B}" destId="{B213E5EE-A962-4626-A7E7-C74DF81A541B}" srcOrd="0" destOrd="0" presId="urn:microsoft.com/office/officeart/2005/8/layout/hList2"/>
-    <dgm:cxn modelId="{C7E2AEBA-DF64-4EB0-B2F9-31A57EFF61B2}" srcId="{8629C914-D342-4274-9A4C-82632AB85248}" destId="{34A6F1EE-9FB7-47ED-A277-0C69A96EE8DA}" srcOrd="2" destOrd="0" parTransId="{C860672A-6C0E-43EB-BADD-3C410CACB6CB}" sibTransId="{69F7827E-4D08-47A1-88E1-1584A3849981}"/>
-    <dgm:cxn modelId="{F5B13840-A0D0-4778-B49E-D53ED17A1B86}" type="presOf" srcId="{C3981F06-0D20-42D2-8AE6-806A7226F53E}" destId="{55186FE2-4EF2-4542-BB96-C9D917037023}" srcOrd="0" destOrd="0" presId="urn:microsoft.com/office/officeart/2005/8/layout/hList2"/>
-    <dgm:cxn modelId="{3E923904-48FB-456B-BEBD-5077B61EC8CE}" type="presOf" srcId="{34A6F1EE-9FB7-47ED-A277-0C69A96EE8DA}" destId="{5739F976-83A7-4E2C-892C-C10D00E04514}" srcOrd="0" destOrd="0" presId="urn:microsoft.com/office/officeart/2005/8/layout/hList2"/>
-    <dgm:cxn modelId="{1991EE7D-9091-4A66-9068-9CC16B8AA488}" srcId="{18413894-C83A-4E38-98BF-DC843604392A}" destId="{C3981F06-0D20-42D2-8AE6-806A7226F53E}" srcOrd="0" destOrd="0" parTransId="{86AC4AC6-2582-4992-AA0A-240738946D5F}" sibTransId="{589F51DA-471D-456A-8E31-8A4D45F9C2DB}"/>
     <dgm:cxn modelId="{443F3D80-73DF-431E-A5F9-D571A4107627}" type="presParOf" srcId="{90DB2E85-D282-493D-9512-61D4057F3410}" destId="{A35FF611-59CE-4C3C-9B12-FFE049011EF8}" srcOrd="0" destOrd="0" presId="urn:microsoft.com/office/officeart/2005/8/layout/hList2"/>
     <dgm:cxn modelId="{82198A4E-AC8E-4D7B-AB9A-4CB7BA341FE5}" type="presParOf" srcId="{A35FF611-59CE-4C3C-9B12-FFE049011EF8}" destId="{5011332B-D64C-4699-8FD1-8EE7DCF956FA}" srcOrd="0" destOrd="0" presId="urn:microsoft.com/office/officeart/2005/8/layout/hList2"/>
     <dgm:cxn modelId="{2DC51EB6-5749-4F0D-BC5B-E287210516AE}" type="presParOf" srcId="{A35FF611-59CE-4C3C-9B12-FFE049011EF8}" destId="{55186FE2-4EF2-4542-BB96-C9D917037023}" srcOrd="1" destOrd="0" presId="urn:microsoft.com/office/officeart/2005/8/layout/hList2"/>
@@ -1642,7 +1695,7 @@
       </dsp:nvSpPr>
       <dsp:spPr>
         <a:xfrm>
-          <a:off x="499506" y="1028966"/>
+          <a:off x="499330" y="1046030"/>
           <a:ext cx="2201102" cy="5349240"/>
         </a:xfrm>
         <a:prstGeom prst="rect">
@@ -1747,7 +1800,7 @@
         </a:p>
       </dsp:txBody>
       <dsp:txXfrm>
-        <a:off x="499506" y="1028966"/>
+        <a:off x="499330" y="1046030"/>
         <a:ext cx="2201102" cy="5349240"/>
       </dsp:txXfrm>
     </dsp:sp>
@@ -1758,10 +1811,10 @@
       </dsp:nvSpPr>
       <dsp:spPr>
         <a:xfrm>
-          <a:off x="6441" y="457197"/>
+          <a:off x="57436" y="462729"/>
           <a:ext cx="883788" cy="883788"/>
         </a:xfrm>
-        <a:prstGeom prst="round1Rect">
+        <a:prstGeom prst="rect">
           <a:avLst/>
         </a:prstGeom>
         <a:blipFill>
@@ -2002,7 +2055,7 @@
           </a:blip>
           <a:srcRect/>
           <a:stretch>
-            <a:fillRect l="-12000" r="-12000"/>
+            <a:fillRect l="-1000" r="-1000"/>
           </a:stretch>
         </a:blipFill>
         <a:ln w="25400" cap="flat" cmpd="sng" algn="ctr">
@@ -7216,7 +7269,7 @@
           <p:nvPr>
             <p:extLst>
               <p:ext uri="{D42A27DB-BD31-4B8C-83A1-F6EECF244321}">
-                <p14:modId xmlns:p14="http://schemas.microsoft.com/office/powerpoint/2010/main" val="3883586681"/>
+                <p14:modId xmlns:p14="http://schemas.microsoft.com/office/powerpoint/2010/main" val="2246070943"/>
               </p:ext>
             </p:extLst>
           </p:nvPr>
